--- a/02-JAVA-Basics.pptx
+++ b/02-JAVA-Basics.pptx
@@ -4476,7 +4476,7 @@
                   </a:schemeClr>
                 </a:solidFill>
               </a:rPr>
-              <a:t>Всички стойности примитивни типове имат своето представяне като референтен тип</a:t>
+              <a:t>Всички стойностни примитивни типове имат своето представяне като референтен тип</a:t>
             </a:r>
           </a:p>
           <a:p>
@@ -5381,7 +5381,7 @@
                   </a:schemeClr>
                 </a:solidFill>
               </a:rPr>
-              <a:t>Информацията която се намира в паметта  на компютъра се съхранява в променливи</a:t>
+              <a:t>Информацията, която се намира в паметта  на компютъра, се съхранява в променливи</a:t>
             </a:r>
             <a:endParaRPr lang="en-US" dirty="0" smtClean="0">
               <a:solidFill>
@@ -6099,7 +6099,7 @@
                   </a:schemeClr>
                 </a:solidFill>
               </a:rPr>
-              <a:t>Извършват с върху </a:t>
+              <a:t>Извършват се върху </a:t>
             </a:r>
             <a:r>
               <a:rPr lang="en-US" sz="2800" dirty="0" err="1" smtClean="0">
@@ -7329,17 +7329,17 @@
               <a:t> на </a:t>
             </a:r>
             <a:r>
-              <a:rPr lang="ru-RU" sz="2000" dirty="0" err="1">
-                <a:solidFill>
-                  <a:schemeClr val="bg1">
-                    <a:lumMod val="95000"/>
-                  </a:schemeClr>
-                </a:solidFill>
-              </a:rPr>
-              <a:t>дадния</a:t>
-            </a:r>
-            <a:r>
-              <a:rPr lang="ru-RU" sz="2000" dirty="0">
+              <a:rPr lang="ru-RU" sz="2000" dirty="0" err="1" smtClean="0">
+                <a:solidFill>
+                  <a:schemeClr val="bg1">
+                    <a:lumMod val="95000"/>
+                  </a:schemeClr>
+                </a:solidFill>
+              </a:rPr>
+              <a:t>дадения</a:t>
+            </a:r>
+            <a:r>
+              <a:rPr lang="ru-RU" sz="2000" dirty="0" smtClean="0">
                 <a:solidFill>
                   <a:schemeClr val="bg1">
                     <a:lumMod val="95000"/>
@@ -7492,14 +7492,14 @@
               <a:t> </a:t>
             </a:r>
             <a:r>
-              <a:rPr lang="ru-RU" sz="2000" dirty="0" err="1">
-                <a:solidFill>
-                  <a:schemeClr val="bg1">
-                    <a:lumMod val="95000"/>
-                  </a:schemeClr>
-                </a:solidFill>
-              </a:rPr>
-              <a:t>съответно</a:t>
+              <a:rPr lang="ru-RU" sz="2000" dirty="0" smtClean="0">
+                <a:solidFill>
+                  <a:schemeClr val="bg1">
+                    <a:lumMod val="95000"/>
+                  </a:schemeClr>
+                </a:solidFill>
+              </a:rPr>
+              <a:t>1 </a:t>
             </a:r>
             <a:r>
               <a:rPr lang="ru-RU" sz="2000" dirty="0">
@@ -7509,7 +7509,7 @@
                   </a:schemeClr>
                 </a:solidFill>
               </a:rPr>
-              <a:t> 1 и 3. </a:t>
+              <a:t>и 3. </a:t>
             </a:r>
             <a:r>
               <a:rPr lang="ru-RU" sz="2000" dirty="0" err="1">
@@ -8125,7 +8125,7 @@
                   </a:schemeClr>
                 </a:solidFill>
               </a:rPr>
-              <a:t>“I will read  </a:t>
+              <a:t>“I will read the “Harry Potter” </a:t>
             </a:r>
             <a:r>
               <a:rPr lang="en-US" sz="2000" smtClean="0">
@@ -8135,7 +8135,7 @@
                   </a:schemeClr>
                 </a:solidFill>
               </a:rPr>
-              <a:t>“Harry Potter” book.” </a:t>
+              <a:t>book collection.” </a:t>
             </a:r>
             <a:endParaRPr lang="bg-BG" sz="2000" dirty="0" smtClean="0">
               <a:solidFill>
@@ -8998,7 +8998,7 @@
                   </a:schemeClr>
                 </a:solidFill>
               </a:rPr>
-              <a:t>Променливата е контейнер на информация която може да сменя стойността си</a:t>
+              <a:t>Променливата е контейнер на информация, която може да сменя стойността си</a:t>
             </a:r>
             <a:endParaRPr lang="en-US" dirty="0" smtClean="0">
               <a:solidFill>

--- a/02-JAVA-Basics.pptx
+++ b/02-JAVA-Basics.pptx
@@ -4061,6 +4061,16 @@
               <a:t>наследяват типа (класа) </a:t>
             </a:r>
             <a:r>
+              <a:rPr lang="en-US" dirty="0">
+                <a:solidFill>
+                  <a:schemeClr val="bg1">
+                    <a:lumMod val="95000"/>
+                  </a:schemeClr>
+                </a:solidFill>
+              </a:rPr>
+              <a:t>O</a:t>
+            </a:r>
+            <a:r>
               <a:rPr lang="en-US" dirty="0" smtClean="0">
                 <a:solidFill>
                   <a:schemeClr val="bg1">
@@ -4068,7 +4078,7 @@
                   </a:schemeClr>
                 </a:solidFill>
               </a:rPr>
-              <a:t>object</a:t>
+              <a:t>bject</a:t>
             </a:r>
             <a:endParaRPr lang="bg-BG" dirty="0">
               <a:solidFill>
@@ -4101,7 +4111,7 @@
                   </a:schemeClr>
                 </a:solidFill>
               </a:rPr>
-              <a:t>object</a:t>
+              <a:t>Object</a:t>
             </a:r>
             <a:r>
               <a:rPr lang="bg-BG" dirty="0" smtClean="0">
@@ -4111,7 +4121,17 @@
                   </a:schemeClr>
                 </a:solidFill>
               </a:rPr>
-              <a:t> може да съхранява променливи от всякакъв тип</a:t>
+              <a:t> </a:t>
+            </a:r>
+            <a:r>
+              <a:rPr lang="bg-BG" dirty="0" smtClean="0">
+                <a:solidFill>
+                  <a:schemeClr val="bg1">
+                    <a:lumMod val="95000"/>
+                  </a:schemeClr>
+                </a:solidFill>
+              </a:rPr>
+              <a:t>може да съхранява променливи от всякакъв тип</a:t>
             </a:r>
             <a:endParaRPr lang="bg-BG" dirty="0">
               <a:solidFill>
@@ -4160,7 +4180,7 @@
                   </a:schemeClr>
                 </a:solidFill>
               </a:rPr>
-              <a:t>object</a:t>
+              <a:t>Object</a:t>
             </a:r>
             <a:endParaRPr lang="bg-BG" dirty="0" smtClean="0">
               <a:solidFill>
@@ -7045,6 +7065,13 @@
   <p:clrMapOvr>
     <a:masterClrMapping/>
   </p:clrMapOvr>
+  <p:timing>
+    <p:tnLst>
+      <p:par>
+        <p:cTn id="1" dur="indefinite" restart="never" nodeType="tmRoot"/>
+      </p:par>
+    </p:tnLst>
+  </p:timing>
 </p:sld>
 </file>
 
@@ -8594,17 +8621,17 @@
               <a:t> и </a:t>
             </a:r>
             <a:r>
-              <a:rPr lang="ru-RU" sz="2000" dirty="0" err="1">
-                <a:solidFill>
-                  <a:schemeClr val="bg1">
-                    <a:lumMod val="95000"/>
-                  </a:schemeClr>
-                </a:solidFill>
-              </a:rPr>
-              <a:t>обиколка</a:t>
-            </a:r>
-            <a:r>
-              <a:rPr lang="ru-RU" sz="2000" dirty="0" smtClean="0">
+              <a:rPr lang="bg-BG" sz="2000" smtClean="0">
+                <a:solidFill>
+                  <a:schemeClr val="bg1">
+                    <a:lumMod val="95000"/>
+                  </a:schemeClr>
+                </a:solidFill>
+              </a:rPr>
+              <a:t>лице</a:t>
+            </a:r>
+            <a:r>
+              <a:rPr lang="ru-RU" sz="2000" smtClean="0">
                 <a:solidFill>
                   <a:schemeClr val="bg1">
                     <a:lumMod val="95000"/>
@@ -9477,7 +9504,17 @@
                   </a:schemeClr>
                 </a:solidFill>
               </a:rPr>
-              <a:t>[-23786, +32767]</a:t>
+              <a:t>[-32768, </a:t>
+            </a:r>
+            <a:r>
+              <a:rPr lang="en-US" sz="2000" dirty="0" smtClean="0">
+                <a:solidFill>
+                  <a:schemeClr val="bg1">
+                    <a:lumMod val="95000"/>
+                  </a:schemeClr>
+                </a:solidFill>
+              </a:rPr>
+              <a:t>+32767]</a:t>
             </a:r>
             <a:endParaRPr lang="bg-BG" sz="2000" dirty="0">
               <a:solidFill>

--- a/02-JAVA-Basics.pptx
+++ b/02-JAVA-Basics.pptx
@@ -332,7 +332,7 @@
           <a:p>
             <a:fld id="{3EA744D9-3FBE-48D8-BF2A-85DF203E4D20}" type="datetimeFigureOut">
               <a:rPr lang="bg-BG" smtClean="0"/>
-              <a:t>21.11.2015 г.</a:t>
+              <a:t>28.11.2015 г.</a:t>
             </a:fld>
             <a:endParaRPr lang="bg-BG"/>
           </a:p>
@@ -502,7 +502,7 @@
           <a:p>
             <a:fld id="{3EA744D9-3FBE-48D8-BF2A-85DF203E4D20}" type="datetimeFigureOut">
               <a:rPr lang="bg-BG" smtClean="0"/>
-              <a:t>21.11.2015 г.</a:t>
+              <a:t>28.11.2015 г.</a:t>
             </a:fld>
             <a:endParaRPr lang="bg-BG"/>
           </a:p>
@@ -682,7 +682,7 @@
           <a:p>
             <a:fld id="{3EA744D9-3FBE-48D8-BF2A-85DF203E4D20}" type="datetimeFigureOut">
               <a:rPr lang="bg-BG" smtClean="0"/>
-              <a:t>21.11.2015 г.</a:t>
+              <a:t>28.11.2015 г.</a:t>
             </a:fld>
             <a:endParaRPr lang="bg-BG"/>
           </a:p>
@@ -852,7 +852,7 @@
           <a:p>
             <a:fld id="{3EA744D9-3FBE-48D8-BF2A-85DF203E4D20}" type="datetimeFigureOut">
               <a:rPr lang="bg-BG" smtClean="0"/>
-              <a:t>21.11.2015 г.</a:t>
+              <a:t>28.11.2015 г.</a:t>
             </a:fld>
             <a:endParaRPr lang="bg-BG"/>
           </a:p>
@@ -1098,7 +1098,7 @@
           <a:p>
             <a:fld id="{3EA744D9-3FBE-48D8-BF2A-85DF203E4D20}" type="datetimeFigureOut">
               <a:rPr lang="bg-BG" smtClean="0"/>
-              <a:t>21.11.2015 г.</a:t>
+              <a:t>28.11.2015 г.</a:t>
             </a:fld>
             <a:endParaRPr lang="bg-BG"/>
           </a:p>
@@ -1386,7 +1386,7 @@
           <a:p>
             <a:fld id="{3EA744D9-3FBE-48D8-BF2A-85DF203E4D20}" type="datetimeFigureOut">
               <a:rPr lang="bg-BG" smtClean="0"/>
-              <a:t>21.11.2015 г.</a:t>
+              <a:t>28.11.2015 г.</a:t>
             </a:fld>
             <a:endParaRPr lang="bg-BG"/>
           </a:p>
@@ -1808,7 +1808,7 @@
           <a:p>
             <a:fld id="{3EA744D9-3FBE-48D8-BF2A-85DF203E4D20}" type="datetimeFigureOut">
               <a:rPr lang="bg-BG" smtClean="0"/>
-              <a:t>21.11.2015 г.</a:t>
+              <a:t>28.11.2015 г.</a:t>
             </a:fld>
             <a:endParaRPr lang="bg-BG"/>
           </a:p>
@@ -1926,7 +1926,7 @@
           <a:p>
             <a:fld id="{3EA744D9-3FBE-48D8-BF2A-85DF203E4D20}" type="datetimeFigureOut">
               <a:rPr lang="bg-BG" smtClean="0"/>
-              <a:t>21.11.2015 г.</a:t>
+              <a:t>28.11.2015 г.</a:t>
             </a:fld>
             <a:endParaRPr lang="bg-BG"/>
           </a:p>
@@ -2021,7 +2021,7 @@
           <a:p>
             <a:fld id="{3EA744D9-3FBE-48D8-BF2A-85DF203E4D20}" type="datetimeFigureOut">
               <a:rPr lang="bg-BG" smtClean="0"/>
-              <a:t>21.11.2015 г.</a:t>
+              <a:t>28.11.2015 г.</a:t>
             </a:fld>
             <a:endParaRPr lang="bg-BG"/>
           </a:p>
@@ -2298,7 +2298,7 @@
           <a:p>
             <a:fld id="{3EA744D9-3FBE-48D8-BF2A-85DF203E4D20}" type="datetimeFigureOut">
               <a:rPr lang="bg-BG" smtClean="0"/>
-              <a:t>21.11.2015 г.</a:t>
+              <a:t>28.11.2015 г.</a:t>
             </a:fld>
             <a:endParaRPr lang="bg-BG"/>
           </a:p>
@@ -2551,7 +2551,7 @@
           <a:p>
             <a:fld id="{3EA744D9-3FBE-48D8-BF2A-85DF203E4D20}" type="datetimeFigureOut">
               <a:rPr lang="bg-BG" smtClean="0"/>
-              <a:t>21.11.2015 г.</a:t>
+              <a:t>28.11.2015 г.</a:t>
             </a:fld>
             <a:endParaRPr lang="bg-BG"/>
           </a:p>
@@ -2773,7 +2773,7 @@
           <a:p>
             <a:fld id="{3EA744D9-3FBE-48D8-BF2A-85DF203E4D20}" type="datetimeFigureOut">
               <a:rPr lang="bg-BG" smtClean="0"/>
-              <a:t>21.11.2015 г.</a:t>
+              <a:t>28.11.2015 г.</a:t>
             </a:fld>
             <a:endParaRPr lang="bg-BG"/>
           </a:p>
@@ -7515,13 +7515,13 @@
         </p:spPr>
         <p:txBody>
           <a:bodyPr>
-            <a:normAutofit/>
+            <a:normAutofit lnSpcReduction="10000"/>
           </a:bodyPr>
           <a:lstStyle/>
           <a:p>
-            <a:pPr>
-              <a:buFont typeface="Wingdings" panose="05000000000000000000" pitchFamily="2" charset="2"/>
-              <a:buChar char="§"/>
+            <a:pPr marL="457200" indent="-457200">
+              <a:buFont typeface="+mj-lt"/>
+              <a:buAutoNum type="arabicParenR"/>
             </a:pPr>
             <a:r>
               <a:rPr lang="ru-RU" sz="2000" dirty="0" err="1">
@@ -7782,9 +7782,9 @@
             </a:endParaRPr>
           </a:p>
           <a:p>
-            <a:pPr>
-              <a:buFont typeface="Wingdings" panose="05000000000000000000" pitchFamily="2" charset="2"/>
-              <a:buChar char="§"/>
+            <a:pPr marL="457200" indent="-457200">
+              <a:buFont typeface="+mj-lt"/>
+              <a:buAutoNum type="arabicParenR"/>
             </a:pPr>
             <a:r>
               <a:rPr lang="ru-RU" sz="2000" dirty="0" err="1">
@@ -8005,9 +8005,9 @@
             </a:endParaRPr>
           </a:p>
           <a:p>
-            <a:pPr>
-              <a:buFont typeface="Wingdings" panose="05000000000000000000" pitchFamily="2" charset="2"/>
-              <a:buChar char="§"/>
+            <a:pPr marL="457200" indent="-457200">
+              <a:buFont typeface="+mj-lt"/>
+              <a:buAutoNum type="arabicParenR"/>
             </a:pPr>
             <a:r>
               <a:rPr lang="ru-RU" sz="2000" dirty="0">
@@ -8488,9 +8488,9 @@
             </a:endParaRPr>
           </a:p>
           <a:p>
-            <a:pPr>
-              <a:buFont typeface="Wingdings" panose="05000000000000000000" pitchFamily="2" charset="2"/>
-              <a:buChar char="§"/>
+            <a:pPr marL="457200" indent="-457200">
+              <a:buFont typeface="+mj-lt"/>
+              <a:buAutoNum type="arabicParenR"/>
             </a:pPr>
             <a:r>
               <a:rPr lang="bg-BG" sz="2000" dirty="0" smtClean="0">
@@ -8638,9 +8638,9 @@
           </a:bodyPr>
           <a:lstStyle/>
           <a:p>
-            <a:pPr>
-              <a:buFont typeface="Wingdings" panose="05000000000000000000" pitchFamily="2" charset="2"/>
-              <a:buChar char="§"/>
+            <a:pPr marL="457200" indent="-457200">
+              <a:buFont typeface="+mj-lt"/>
+              <a:buAutoNum type="arabicParenR" startAt="5"/>
             </a:pPr>
             <a:r>
               <a:rPr lang="ru-RU" sz="2000" dirty="0">
@@ -8794,9 +8794,9 @@
             </a:r>
           </a:p>
           <a:p>
-            <a:pPr>
-              <a:buFont typeface="Wingdings" panose="05000000000000000000" pitchFamily="2" charset="2"/>
-              <a:buChar char="§"/>
+            <a:pPr marL="457200" indent="-457200">
+              <a:buFont typeface="+mj-lt"/>
+              <a:buAutoNum type="arabicParenR" startAt="5"/>
             </a:pPr>
             <a:r>
               <a:rPr lang="ru-RU" sz="2000" dirty="0">
@@ -9017,9 +9017,9 @@
             </a:endParaRPr>
           </a:p>
           <a:p>
-            <a:pPr>
-              <a:buFont typeface="Wingdings" panose="05000000000000000000" pitchFamily="2" charset="2"/>
-              <a:buChar char="§"/>
+            <a:pPr marL="457200" indent="-457200">
+              <a:buFont typeface="+mj-lt"/>
+              <a:buAutoNum type="arabicParenR" startAt="5"/>
             </a:pPr>
             <a:r>
               <a:rPr lang="ru-RU" sz="2000" dirty="0">
@@ -9153,9 +9153,9 @@
             </a:r>
           </a:p>
           <a:p>
-            <a:pPr>
-              <a:buFont typeface="Wingdings" panose="05000000000000000000" pitchFamily="2" charset="2"/>
-              <a:buChar char="§"/>
+            <a:pPr marL="457200" indent="-457200">
+              <a:buFont typeface="+mj-lt"/>
+              <a:buAutoNum type="arabicParenR" startAt="5"/>
             </a:pPr>
             <a:r>
               <a:rPr lang="ru-RU" sz="2000" dirty="0">
@@ -9276,9 +9276,9 @@
             </a:endParaRPr>
           </a:p>
           <a:p>
-            <a:pPr>
-              <a:buFont typeface="Wingdings" panose="05000000000000000000" pitchFamily="2" charset="2"/>
-              <a:buChar char="§"/>
+            <a:pPr marL="457200" indent="-457200">
+              <a:buFont typeface="+mj-lt"/>
+              <a:buAutoNum type="arabicParenR" startAt="5"/>
             </a:pPr>
             <a:r>
               <a:rPr lang="ru-RU" sz="2000" dirty="0">
@@ -9432,9 +9432,9 @@
             </a:r>
           </a:p>
           <a:p>
-            <a:pPr>
-              <a:buFont typeface="Wingdings" panose="05000000000000000000" pitchFamily="2" charset="2"/>
-              <a:buChar char="§"/>
+            <a:pPr marL="457200" indent="-457200">
+              <a:buFont typeface="+mj-lt"/>
+              <a:buAutoNum type="arabicParenR" startAt="5"/>
             </a:pPr>
             <a:r>
               <a:rPr lang="ru-RU" sz="2000" dirty="0" err="1" smtClean="0">
@@ -9678,9 +9678,9 @@
             </a:r>
           </a:p>
           <a:p>
-            <a:pPr>
-              <a:buFont typeface="Wingdings" panose="05000000000000000000" pitchFamily="2" charset="2"/>
-              <a:buChar char="§"/>
+            <a:pPr marL="457200" indent="-457200">
+              <a:buFont typeface="+mj-lt"/>
+              <a:buAutoNum type="arabicParenR" startAt="5"/>
             </a:pPr>
             <a:endParaRPr lang="bg-BG" sz="2000" dirty="0" smtClean="0">
               <a:solidFill>

--- a/02-JAVA-Basics.pptx
+++ b/02-JAVA-Basics.pptx
@@ -332,7 +332,7 @@
           <a:p>
             <a:fld id="{3EA744D9-3FBE-48D8-BF2A-85DF203E4D20}" type="datetimeFigureOut">
               <a:rPr lang="bg-BG" smtClean="0"/>
-              <a:t>28.11.2015 г.</a:t>
+              <a:t>29.11.2015 г.</a:t>
             </a:fld>
             <a:endParaRPr lang="bg-BG"/>
           </a:p>
@@ -502,7 +502,7 @@
           <a:p>
             <a:fld id="{3EA744D9-3FBE-48D8-BF2A-85DF203E4D20}" type="datetimeFigureOut">
               <a:rPr lang="bg-BG" smtClean="0"/>
-              <a:t>28.11.2015 г.</a:t>
+              <a:t>29.11.2015 г.</a:t>
             </a:fld>
             <a:endParaRPr lang="bg-BG"/>
           </a:p>
@@ -682,7 +682,7 @@
           <a:p>
             <a:fld id="{3EA744D9-3FBE-48D8-BF2A-85DF203E4D20}" type="datetimeFigureOut">
               <a:rPr lang="bg-BG" smtClean="0"/>
-              <a:t>28.11.2015 г.</a:t>
+              <a:t>29.11.2015 г.</a:t>
             </a:fld>
             <a:endParaRPr lang="bg-BG"/>
           </a:p>
@@ -852,7 +852,7 @@
           <a:p>
             <a:fld id="{3EA744D9-3FBE-48D8-BF2A-85DF203E4D20}" type="datetimeFigureOut">
               <a:rPr lang="bg-BG" smtClean="0"/>
-              <a:t>28.11.2015 г.</a:t>
+              <a:t>29.11.2015 г.</a:t>
             </a:fld>
             <a:endParaRPr lang="bg-BG"/>
           </a:p>
@@ -1098,7 +1098,7 @@
           <a:p>
             <a:fld id="{3EA744D9-3FBE-48D8-BF2A-85DF203E4D20}" type="datetimeFigureOut">
               <a:rPr lang="bg-BG" smtClean="0"/>
-              <a:t>28.11.2015 г.</a:t>
+              <a:t>29.11.2015 г.</a:t>
             </a:fld>
             <a:endParaRPr lang="bg-BG"/>
           </a:p>
@@ -1386,7 +1386,7 @@
           <a:p>
             <a:fld id="{3EA744D9-3FBE-48D8-BF2A-85DF203E4D20}" type="datetimeFigureOut">
               <a:rPr lang="bg-BG" smtClean="0"/>
-              <a:t>28.11.2015 г.</a:t>
+              <a:t>29.11.2015 г.</a:t>
             </a:fld>
             <a:endParaRPr lang="bg-BG"/>
           </a:p>
@@ -1808,7 +1808,7 @@
           <a:p>
             <a:fld id="{3EA744D9-3FBE-48D8-BF2A-85DF203E4D20}" type="datetimeFigureOut">
               <a:rPr lang="bg-BG" smtClean="0"/>
-              <a:t>28.11.2015 г.</a:t>
+              <a:t>29.11.2015 г.</a:t>
             </a:fld>
             <a:endParaRPr lang="bg-BG"/>
           </a:p>
@@ -1926,7 +1926,7 @@
           <a:p>
             <a:fld id="{3EA744D9-3FBE-48D8-BF2A-85DF203E4D20}" type="datetimeFigureOut">
               <a:rPr lang="bg-BG" smtClean="0"/>
-              <a:t>28.11.2015 г.</a:t>
+              <a:t>29.11.2015 г.</a:t>
             </a:fld>
             <a:endParaRPr lang="bg-BG"/>
           </a:p>
@@ -2021,7 +2021,7 @@
           <a:p>
             <a:fld id="{3EA744D9-3FBE-48D8-BF2A-85DF203E4D20}" type="datetimeFigureOut">
               <a:rPr lang="bg-BG" smtClean="0"/>
-              <a:t>28.11.2015 г.</a:t>
+              <a:t>29.11.2015 г.</a:t>
             </a:fld>
             <a:endParaRPr lang="bg-BG"/>
           </a:p>
@@ -2298,7 +2298,7 @@
           <a:p>
             <a:fld id="{3EA744D9-3FBE-48D8-BF2A-85DF203E4D20}" type="datetimeFigureOut">
               <a:rPr lang="bg-BG" smtClean="0"/>
-              <a:t>28.11.2015 г.</a:t>
+              <a:t>29.11.2015 г.</a:t>
             </a:fld>
             <a:endParaRPr lang="bg-BG"/>
           </a:p>
@@ -2551,7 +2551,7 @@
           <a:p>
             <a:fld id="{3EA744D9-3FBE-48D8-BF2A-85DF203E4D20}" type="datetimeFigureOut">
               <a:rPr lang="bg-BG" smtClean="0"/>
-              <a:t>28.11.2015 г.</a:t>
+              <a:t>29.11.2015 г.</a:t>
             </a:fld>
             <a:endParaRPr lang="bg-BG"/>
           </a:p>
@@ -2773,7 +2773,7 @@
           <a:p>
             <a:fld id="{3EA744D9-3FBE-48D8-BF2A-85DF203E4D20}" type="datetimeFigureOut">
               <a:rPr lang="bg-BG" smtClean="0"/>
-              <a:t>28.11.2015 г.</a:t>
+              <a:t>29.11.2015 г.</a:t>
             </a:fld>
             <a:endParaRPr lang="bg-BG"/>
           </a:p>
@@ -6112,14 +6112,14 @@
               <a:buChar char="§"/>
             </a:pPr>
             <a:r>
-              <a:rPr lang="bg-BG" sz="2400" dirty="0" smtClean="0">
-                <a:solidFill>
-                  <a:schemeClr val="bg1">
-                    <a:lumMod val="95000"/>
-                  </a:schemeClr>
-                </a:solidFill>
-              </a:rPr>
-              <a:t>==</a:t>
+              <a:rPr lang="bg-BG" sz="2400" dirty="0">
+                <a:solidFill>
+                  <a:schemeClr val="bg1">
+                    <a:lumMod val="95000"/>
+                  </a:schemeClr>
+                </a:solidFill>
+              </a:rPr>
+              <a:t>== - равно</a:t>
             </a:r>
           </a:p>
           <a:p>
@@ -6128,14 +6128,14 @@
               <a:buChar char="§"/>
             </a:pPr>
             <a:r>
-              <a:rPr lang="bg-BG" sz="2400" dirty="0" smtClean="0">
-                <a:solidFill>
-                  <a:schemeClr val="bg1">
-                    <a:lumMod val="95000"/>
-                  </a:schemeClr>
-                </a:solidFill>
-              </a:rPr>
-              <a:t>!=</a:t>
+              <a:rPr lang="bg-BG" sz="2400" dirty="0">
+                <a:solidFill>
+                  <a:schemeClr val="bg1">
+                    <a:lumMod val="95000"/>
+                  </a:schemeClr>
+                </a:solidFill>
+              </a:rPr>
+              <a:t>!= - различно</a:t>
             </a:r>
           </a:p>
           <a:p>
@@ -6144,14 +6144,14 @@
               <a:buChar char="§"/>
             </a:pPr>
             <a:r>
-              <a:rPr lang="bg-BG" sz="2400" dirty="0" smtClean="0">
-                <a:solidFill>
-                  <a:schemeClr val="bg1">
-                    <a:lumMod val="95000"/>
-                  </a:schemeClr>
-                </a:solidFill>
-              </a:rPr>
-              <a:t>&lt;</a:t>
+              <a:rPr lang="bg-BG" sz="2400" dirty="0">
+                <a:solidFill>
+                  <a:schemeClr val="bg1">
+                    <a:lumMod val="95000"/>
+                  </a:schemeClr>
+                </a:solidFill>
+              </a:rPr>
+              <a:t>&lt; - по-малко</a:t>
             </a:r>
           </a:p>
           <a:p>
@@ -6160,14 +6160,14 @@
               <a:buChar char="§"/>
             </a:pPr>
             <a:r>
-              <a:rPr lang="bg-BG" sz="2400" dirty="0" smtClean="0">
-                <a:solidFill>
-                  <a:schemeClr val="bg1">
-                    <a:lumMod val="95000"/>
-                  </a:schemeClr>
-                </a:solidFill>
-              </a:rPr>
-              <a:t>&gt;</a:t>
+              <a:rPr lang="bg-BG" sz="2400" dirty="0">
+                <a:solidFill>
+                  <a:schemeClr val="bg1">
+                    <a:lumMod val="95000"/>
+                  </a:schemeClr>
+                </a:solidFill>
+              </a:rPr>
+              <a:t>&gt; - по-голямо</a:t>
             </a:r>
           </a:p>
           <a:p>
@@ -6176,14 +6176,14 @@
               <a:buChar char="§"/>
             </a:pPr>
             <a:r>
-              <a:rPr lang="bg-BG" sz="2400" dirty="0" smtClean="0">
-                <a:solidFill>
-                  <a:schemeClr val="bg1">
-                    <a:lumMod val="95000"/>
-                  </a:schemeClr>
-                </a:solidFill>
-              </a:rPr>
-              <a:t>&lt;=</a:t>
+              <a:rPr lang="bg-BG" sz="2400" dirty="0">
+                <a:solidFill>
+                  <a:schemeClr val="bg1">
+                    <a:lumMod val="95000"/>
+                  </a:schemeClr>
+                </a:solidFill>
+              </a:rPr>
+              <a:t>&lt;=  - по-малко или равно</a:t>
             </a:r>
           </a:p>
           <a:p>
@@ -6192,16 +6192,16 @@
               <a:buChar char="§"/>
             </a:pPr>
             <a:r>
-              <a:rPr lang="bg-BG" sz="2400" dirty="0" smtClean="0">
-                <a:solidFill>
-                  <a:schemeClr val="bg1">
-                    <a:lumMod val="95000"/>
-                  </a:schemeClr>
-                </a:solidFill>
-              </a:rPr>
-              <a:t>&gt;=</a:t>
-            </a:r>
-            <a:endParaRPr lang="en-US" sz="2400" dirty="0" smtClean="0">
+              <a:rPr lang="bg-BG" sz="2400" dirty="0">
+                <a:solidFill>
+                  <a:schemeClr val="bg1">
+                    <a:lumMod val="95000"/>
+                  </a:schemeClr>
+                </a:solidFill>
+              </a:rPr>
+              <a:t>&gt;= - по-голямо или равно</a:t>
+            </a:r>
+            <a:endParaRPr lang="en-US" sz="2400" dirty="0">
               <a:solidFill>
                 <a:schemeClr val="bg1">
                   <a:lumMod val="95000"/>
@@ -6222,7 +6222,17 @@
                   </a:schemeClr>
                 </a:solidFill>
               </a:rPr>
-              <a:t>Резултатът от сравнението винаги е </a:t>
+              <a:t>Резултатът </a:t>
+            </a:r>
+            <a:r>
+              <a:rPr lang="bg-BG" sz="2800" dirty="0" smtClean="0">
+                <a:solidFill>
+                  <a:schemeClr val="bg1">
+                    <a:lumMod val="95000"/>
+                  </a:schemeClr>
+                </a:solidFill>
+              </a:rPr>
+              <a:t>от сравнението винаги е </a:t>
             </a:r>
             <a:r>
               <a:rPr lang="en-US" sz="2800" dirty="0" err="1" smtClean="0">
@@ -7515,16 +7525,25 @@
         </p:spPr>
         <p:txBody>
           <a:bodyPr>
-            <a:normAutofit lnSpcReduction="10000"/>
+            <a:normAutofit/>
           </a:bodyPr>
           <a:lstStyle/>
           <a:p>
-            <a:pPr marL="457200" indent="-457200">
-              <a:buFont typeface="+mj-lt"/>
-              <a:buAutoNum type="arabicParenR"/>
+            <a:pPr marL="0" indent="0">
+              <a:buNone/>
             </a:pPr>
             <a:r>
-              <a:rPr lang="ru-RU" sz="2000" dirty="0" err="1">
+              <a:rPr lang="en-US" sz="2000" dirty="0" smtClean="0">
+                <a:solidFill>
+                  <a:schemeClr val="bg1">
+                    <a:lumMod val="95000"/>
+                  </a:schemeClr>
+                </a:solidFill>
+              </a:rPr>
+              <a:t>2.1) </a:t>
+            </a:r>
+            <a:r>
+              <a:rPr lang="ru-RU" sz="2000" dirty="0" err="1" smtClean="0">
                 <a:solidFill>
                   <a:schemeClr val="bg1">
                     <a:lumMod val="95000"/>
@@ -7534,7 +7553,7 @@
               <a:t>Направете</a:t>
             </a:r>
             <a:r>
-              <a:rPr lang="ru-RU" sz="2000" dirty="0">
+              <a:rPr lang="ru-RU" sz="2000" dirty="0" smtClean="0">
                 <a:solidFill>
                   <a:schemeClr val="bg1">
                     <a:lumMod val="95000"/>
@@ -7782,11 +7801,50 @@
             </a:endParaRPr>
           </a:p>
           <a:p>
-            <a:pPr marL="457200" indent="-457200">
-              <a:buFont typeface="+mj-lt"/>
-              <a:buAutoNum type="arabicParenR"/>
+            <a:pPr marL="0" indent="0">
+              <a:buNone/>
             </a:pPr>
             <a:r>
+              <a:rPr lang="en-US" sz="2000" dirty="0" smtClean="0">
+                <a:solidFill>
+                  <a:schemeClr val="bg1">
+                    <a:lumMod val="95000"/>
+                  </a:schemeClr>
+                </a:solidFill>
+              </a:rPr>
+              <a:t>2.2) </a:t>
+            </a:r>
+            <a:r>
+              <a:rPr lang="ru-RU" sz="2000" dirty="0" err="1" smtClean="0">
+                <a:solidFill>
+                  <a:schemeClr val="bg1">
+                    <a:lumMod val="95000"/>
+                  </a:schemeClr>
+                </a:solidFill>
+              </a:rPr>
+              <a:t>Дефинирайте</a:t>
+            </a:r>
+            <a:r>
+              <a:rPr lang="ru-RU" sz="2000" dirty="0" smtClean="0">
+                <a:solidFill>
+                  <a:schemeClr val="bg1">
+                    <a:lumMod val="95000"/>
+                  </a:schemeClr>
+                </a:solidFill>
+              </a:rPr>
+              <a:t> </a:t>
+            </a:r>
+            <a:r>
+              <a:rPr lang="ru-RU" sz="2000" dirty="0">
+                <a:solidFill>
+                  <a:schemeClr val="bg1">
+                    <a:lumMod val="95000"/>
+                  </a:schemeClr>
+                </a:solidFill>
+              </a:rPr>
+              <a:t>две </a:t>
+            </a:r>
+            <a:r>
               <a:rPr lang="ru-RU" sz="2000" dirty="0" err="1">
                 <a:solidFill>
                   <a:schemeClr val="bg1">
@@ -7794,7 +7852,7 @@
                   </a:schemeClr>
                 </a:solidFill>
               </a:rPr>
-              <a:t>Дефинирайте</a:t>
+              <a:t>int</a:t>
             </a:r>
             <a:r>
               <a:rPr lang="ru-RU" sz="2000" dirty="0">
@@ -7804,7 +7862,7 @@
                   </a:schemeClr>
                 </a:solidFill>
               </a:rPr>
-              <a:t> две </a:t>
+              <a:t> </a:t>
             </a:r>
             <a:r>
               <a:rPr lang="ru-RU" sz="2000" dirty="0" err="1">
@@ -7814,7 +7872,7 @@
                   </a:schemeClr>
                 </a:solidFill>
               </a:rPr>
-              <a:t>int</a:t>
+              <a:t>променливи</a:t>
             </a:r>
             <a:r>
               <a:rPr lang="ru-RU" sz="2000" dirty="0">
@@ -7834,7 +7892,7 @@
                   </a:schemeClr>
                 </a:solidFill>
               </a:rPr>
-              <a:t>променливи</a:t>
+              <a:t>със</a:t>
             </a:r>
             <a:r>
               <a:rPr lang="ru-RU" sz="2000" dirty="0">
@@ -7854,7 +7912,7 @@
                   </a:schemeClr>
                 </a:solidFill>
               </a:rPr>
-              <a:t>със</a:t>
+              <a:t>стойности</a:t>
             </a:r>
             <a:r>
               <a:rPr lang="ru-RU" sz="2000" dirty="0">
@@ -7867,6 +7925,36 @@
               <a:t> </a:t>
             </a:r>
             <a:r>
+              <a:rPr lang="ru-RU" sz="2000" dirty="0" smtClean="0">
+                <a:solidFill>
+                  <a:schemeClr val="bg1">
+                    <a:lumMod val="95000"/>
+                  </a:schemeClr>
+                </a:solidFill>
+              </a:rPr>
+              <a:t>5 </a:t>
+            </a:r>
+            <a:r>
+              <a:rPr lang="ru-RU" sz="2000" dirty="0">
+                <a:solidFill>
+                  <a:schemeClr val="bg1">
+                    <a:lumMod val="95000"/>
+                  </a:schemeClr>
+                </a:solidFill>
+              </a:rPr>
+              <a:t>и </a:t>
+            </a:r>
+            <a:r>
+              <a:rPr lang="ru-RU" sz="2000" dirty="0" smtClean="0">
+                <a:solidFill>
+                  <a:schemeClr val="bg1">
+                    <a:lumMod val="95000"/>
+                  </a:schemeClr>
+                </a:solidFill>
+              </a:rPr>
+              <a:t>8. </a:t>
+            </a:r>
+            <a:r>
               <a:rPr lang="ru-RU" sz="2000" dirty="0" err="1">
                 <a:solidFill>
                   <a:schemeClr val="bg1">
@@ -7874,7 +7962,7 @@
                   </a:schemeClr>
                 </a:solidFill>
               </a:rPr>
-              <a:t>стойности</a:t>
+              <a:t>Опитайте</a:t>
             </a:r>
             <a:r>
               <a:rPr lang="ru-RU" sz="2000" dirty="0">
@@ -7884,17 +7972,37 @@
                   </a:schemeClr>
                 </a:solidFill>
               </a:rPr>
+              <a:t> се да </a:t>
+            </a:r>
+            <a:r>
+              <a:rPr lang="ru-RU" sz="2000" dirty="0" err="1">
+                <a:solidFill>
+                  <a:schemeClr val="bg1">
+                    <a:lumMod val="95000"/>
+                  </a:schemeClr>
+                </a:solidFill>
+              </a:rPr>
+              <a:t>размените</a:t>
+            </a:r>
+            <a:r>
+              <a:rPr lang="ru-RU" sz="2000" dirty="0">
+                <a:solidFill>
+                  <a:schemeClr val="bg1">
+                    <a:lumMod val="95000"/>
+                  </a:schemeClr>
+                </a:solidFill>
+              </a:rPr>
               <a:t> </a:t>
             </a:r>
             <a:r>
-              <a:rPr lang="ru-RU" sz="2000" dirty="0" smtClean="0">
-                <a:solidFill>
-                  <a:schemeClr val="bg1">
-                    <a:lumMod val="95000"/>
-                  </a:schemeClr>
-                </a:solidFill>
-              </a:rPr>
-              <a:t>5 </a:t>
+              <a:rPr lang="ru-RU" sz="2000" dirty="0" err="1">
+                <a:solidFill>
+                  <a:schemeClr val="bg1">
+                    <a:lumMod val="95000"/>
+                  </a:schemeClr>
+                </a:solidFill>
+              </a:rPr>
+              <a:t>техните</a:t>
             </a:r>
             <a:r>
               <a:rPr lang="ru-RU" sz="2000" dirty="0">
@@ -7904,80 +8012,10 @@
                   </a:schemeClr>
                 </a:solidFill>
               </a:rPr>
-              <a:t>и </a:t>
-            </a:r>
-            <a:r>
-              <a:rPr lang="ru-RU" sz="2000" dirty="0" smtClean="0">
-                <a:solidFill>
-                  <a:schemeClr val="bg1">
-                    <a:lumMod val="95000"/>
-                  </a:schemeClr>
-                </a:solidFill>
-              </a:rPr>
-              <a:t>8. </a:t>
-            </a:r>
-            <a:r>
-              <a:rPr lang="ru-RU" sz="2000" dirty="0" err="1">
-                <a:solidFill>
-                  <a:schemeClr val="bg1">
-                    <a:lumMod val="95000"/>
-                  </a:schemeClr>
-                </a:solidFill>
-              </a:rPr>
-              <a:t>Опитайте</a:t>
-            </a:r>
-            <a:r>
-              <a:rPr lang="ru-RU" sz="2000" dirty="0">
-                <a:solidFill>
-                  <a:schemeClr val="bg1">
-                    <a:lumMod val="95000"/>
-                  </a:schemeClr>
-                </a:solidFill>
-              </a:rPr>
-              <a:t> се да </a:t>
-            </a:r>
-            <a:r>
-              <a:rPr lang="ru-RU" sz="2000" dirty="0" err="1">
-                <a:solidFill>
-                  <a:schemeClr val="bg1">
-                    <a:lumMod val="95000"/>
-                  </a:schemeClr>
-                </a:solidFill>
-              </a:rPr>
-              <a:t>размените</a:t>
-            </a:r>
-            <a:r>
-              <a:rPr lang="ru-RU" sz="2000" dirty="0">
-                <a:solidFill>
-                  <a:schemeClr val="bg1">
-                    <a:lumMod val="95000"/>
-                  </a:schemeClr>
-                </a:solidFill>
-              </a:rPr>
               <a:t> </a:t>
             </a:r>
             <a:r>
-              <a:rPr lang="ru-RU" sz="2000" dirty="0" err="1">
-                <a:solidFill>
-                  <a:schemeClr val="bg1">
-                    <a:lumMod val="95000"/>
-                  </a:schemeClr>
-                </a:solidFill>
-              </a:rPr>
-              <a:t>техните</a:t>
-            </a:r>
-            <a:r>
-              <a:rPr lang="ru-RU" sz="2000" dirty="0">
-                <a:solidFill>
-                  <a:schemeClr val="bg1">
-                    <a:lumMod val="95000"/>
-                  </a:schemeClr>
-                </a:solidFill>
-              </a:rPr>
-              <a:t> </a:t>
-            </a:r>
-            <a:r>
-              <a:rPr lang="ru-RU" sz="2000" dirty="0" err="1">
+              <a:rPr lang="ru-RU" sz="2000" dirty="0" err="1" smtClean="0">
                 <a:solidFill>
                   <a:schemeClr val="bg1">
                     <a:lumMod val="95000"/>
@@ -8005,12 +8043,21 @@
             </a:endParaRPr>
           </a:p>
           <a:p>
-            <a:pPr marL="457200" indent="-457200">
-              <a:buFont typeface="+mj-lt"/>
-              <a:buAutoNum type="arabicParenR"/>
+            <a:pPr marL="0" indent="0">
+              <a:buNone/>
             </a:pPr>
             <a:r>
-              <a:rPr lang="ru-RU" sz="2000" dirty="0">
+              <a:rPr lang="en-US" sz="2000" dirty="0" smtClean="0">
+                <a:solidFill>
+                  <a:schemeClr val="bg1">
+                    <a:lumMod val="95000"/>
+                  </a:schemeClr>
+                </a:solidFill>
+              </a:rPr>
+              <a:t>2.3) </a:t>
+            </a:r>
+            <a:r>
+              <a:rPr lang="ru-RU" sz="2000" dirty="0" smtClean="0">
                 <a:solidFill>
                   <a:schemeClr val="bg1">
                     <a:lumMod val="95000"/>
@@ -8020,7 +8067,7 @@
               <a:t>Компания се </a:t>
             </a:r>
             <a:r>
-              <a:rPr lang="ru-RU" sz="2000" dirty="0" err="1">
+              <a:rPr lang="ru-RU" sz="2000" dirty="0" err="1" smtClean="0">
                 <a:solidFill>
                   <a:schemeClr val="bg1">
                     <a:lumMod val="95000"/>
@@ -8030,7 +8077,7 @@
               <a:t>нуждае</a:t>
             </a:r>
             <a:r>
-              <a:rPr lang="ru-RU" sz="2000" dirty="0">
+              <a:rPr lang="ru-RU" sz="2000" dirty="0" smtClean="0">
                 <a:solidFill>
                   <a:schemeClr val="bg1">
                     <a:lumMod val="95000"/>
@@ -8040,7 +8087,7 @@
               <a:t> от система за </a:t>
             </a:r>
             <a:r>
-              <a:rPr lang="ru-RU" sz="2000" dirty="0" err="1">
+              <a:rPr lang="ru-RU" sz="2000" dirty="0" err="1" smtClean="0">
                 <a:solidFill>
                   <a:schemeClr val="bg1">
                     <a:lumMod val="95000"/>
@@ -8050,7 +8097,7 @@
               <a:t>съхранение</a:t>
             </a:r>
             <a:r>
-              <a:rPr lang="ru-RU" sz="2000" dirty="0">
+              <a:rPr lang="ru-RU" sz="2000" dirty="0" smtClean="0">
                 <a:solidFill>
                   <a:schemeClr val="bg1">
                     <a:lumMod val="95000"/>
@@ -8060,7 +8107,7 @@
               <a:t> на информация за служители.  </a:t>
             </a:r>
             <a:r>
-              <a:rPr lang="ru-RU" sz="2000" dirty="0" err="1">
+              <a:rPr lang="ru-RU" sz="2000" dirty="0" err="1" smtClean="0">
                 <a:solidFill>
                   <a:schemeClr val="bg1">
                     <a:lumMod val="95000"/>
@@ -8070,7 +8117,7 @@
               <a:t>Направете</a:t>
             </a:r>
             <a:r>
-              <a:rPr lang="ru-RU" sz="2000" dirty="0">
+              <a:rPr lang="ru-RU" sz="2000" dirty="0" smtClean="0">
                 <a:solidFill>
                   <a:schemeClr val="bg1">
                     <a:lumMod val="95000"/>
@@ -8080,7 +8127,7 @@
               <a:t> </a:t>
             </a:r>
             <a:r>
-              <a:rPr lang="ru-RU" sz="2000" dirty="0" err="1">
+              <a:rPr lang="ru-RU" sz="2000" dirty="0" err="1" smtClean="0">
                 <a:solidFill>
                   <a:schemeClr val="bg1">
                     <a:lumMod val="95000"/>
@@ -8090,7 +8137,7 @@
               <a:t>програма</a:t>
             </a:r>
             <a:r>
-              <a:rPr lang="ru-RU" sz="2000" dirty="0">
+              <a:rPr lang="ru-RU" sz="2000" dirty="0" smtClean="0">
                 <a:solidFill>
                   <a:schemeClr val="bg1">
                     <a:lumMod val="95000"/>
@@ -8100,7 +8147,7 @@
               <a:t>, </a:t>
             </a:r>
             <a:r>
-              <a:rPr lang="ru-RU" sz="2000" dirty="0" err="1">
+              <a:rPr lang="ru-RU" sz="2000" dirty="0" err="1" smtClean="0">
                 <a:solidFill>
                   <a:schemeClr val="bg1">
                     <a:lumMod val="95000"/>
@@ -8110,7 +8157,7 @@
               <a:t>която</a:t>
             </a:r>
             <a:r>
-              <a:rPr lang="ru-RU" sz="2000" dirty="0">
+              <a:rPr lang="ru-RU" sz="2000" dirty="0" smtClean="0">
                 <a:solidFill>
                   <a:schemeClr val="bg1">
                     <a:lumMod val="95000"/>
@@ -8120,7 +8167,7 @@
               <a:t> </a:t>
             </a:r>
             <a:r>
-              <a:rPr lang="ru-RU" sz="2000" dirty="0" err="1">
+              <a:rPr lang="ru-RU" sz="2000" dirty="0" err="1" smtClean="0">
                 <a:solidFill>
                   <a:schemeClr val="bg1">
                     <a:lumMod val="95000"/>
@@ -8130,7 +8177,7 @@
               <a:t>изисква</a:t>
             </a:r>
             <a:r>
-              <a:rPr lang="ru-RU" sz="2000" dirty="0">
+              <a:rPr lang="ru-RU" sz="2000" dirty="0" smtClean="0">
                 <a:solidFill>
                   <a:schemeClr val="bg1">
                     <a:lumMod val="95000"/>
@@ -8140,7 +8187,7 @@
               <a:t> </a:t>
             </a:r>
             <a:r>
-              <a:rPr lang="ru-RU" sz="2000" dirty="0" err="1">
+              <a:rPr lang="ru-RU" sz="2000" dirty="0" err="1" smtClean="0">
                 <a:solidFill>
                   <a:schemeClr val="bg1">
                     <a:lumMod val="95000"/>
@@ -8150,7 +8197,7 @@
               <a:t>следната</a:t>
             </a:r>
             <a:r>
-              <a:rPr lang="ru-RU" sz="2000" dirty="0">
+              <a:rPr lang="ru-RU" sz="2000" dirty="0" smtClean="0">
                 <a:solidFill>
                   <a:schemeClr val="bg1">
                     <a:lumMod val="95000"/>
@@ -8160,7 +8207,7 @@
               <a:t> информация: </a:t>
             </a:r>
             <a:r>
-              <a:rPr lang="ru-RU" sz="2000" dirty="0" err="1">
+              <a:rPr lang="ru-RU" sz="2000" dirty="0" err="1" smtClean="0">
                 <a:solidFill>
                   <a:schemeClr val="bg1">
                     <a:lumMod val="95000"/>
@@ -8170,7 +8217,7 @@
               <a:t>Име</a:t>
             </a:r>
             <a:r>
-              <a:rPr lang="ru-RU" sz="2000" dirty="0">
+              <a:rPr lang="ru-RU" sz="2000" dirty="0" smtClean="0">
                 <a:solidFill>
                   <a:schemeClr val="bg1">
                     <a:lumMod val="95000"/>
@@ -8180,7 +8227,7 @@
               <a:t>, Фамилия, </a:t>
             </a:r>
             <a:r>
-              <a:rPr lang="ru-RU" sz="2000" dirty="0" err="1">
+              <a:rPr lang="ru-RU" sz="2000" dirty="0" err="1" smtClean="0">
                 <a:solidFill>
                   <a:schemeClr val="bg1">
                     <a:lumMod val="95000"/>
@@ -8190,7 +8237,7 @@
               <a:t>Години</a:t>
             </a:r>
             <a:r>
-              <a:rPr lang="ru-RU" sz="2000" dirty="0">
+              <a:rPr lang="ru-RU" sz="2000" dirty="0" smtClean="0">
                 <a:solidFill>
                   <a:schemeClr val="bg1">
                     <a:lumMod val="95000"/>
@@ -8200,7 +8247,7 @@
               <a:t> (0, 120), пол (</a:t>
             </a:r>
             <a:r>
-              <a:rPr lang="ru-RU" sz="2000" dirty="0" err="1">
+              <a:rPr lang="ru-RU" sz="2000" dirty="0" err="1" smtClean="0">
                 <a:solidFill>
                   <a:schemeClr val="bg1">
                     <a:lumMod val="95000"/>
@@ -8210,7 +8257,7 @@
               <a:t>еднобуквен</a:t>
             </a:r>
             <a:r>
-              <a:rPr lang="ru-RU" sz="2000" dirty="0">
+              <a:rPr lang="ru-RU" sz="2000" dirty="0" smtClean="0">
                 <a:solidFill>
                   <a:schemeClr val="bg1">
                     <a:lumMod val="95000"/>
@@ -8220,7 +8267,7 @@
               <a:t> 'м' или 'ж'), ЕГН, телефон. Подберете </a:t>
             </a:r>
             <a:r>
-              <a:rPr lang="ru-RU" sz="2000" dirty="0" err="1">
+              <a:rPr lang="ru-RU" sz="2000" dirty="0" err="1" smtClean="0">
                 <a:solidFill>
                   <a:schemeClr val="bg1">
                     <a:lumMod val="95000"/>
@@ -8230,7 +8277,7 @@
               <a:t>подходящите</a:t>
             </a:r>
             <a:r>
-              <a:rPr lang="ru-RU" sz="2000" dirty="0">
+              <a:rPr lang="ru-RU" sz="2000" dirty="0" smtClean="0">
                 <a:solidFill>
                   <a:schemeClr val="bg1">
                     <a:lumMod val="95000"/>
@@ -8240,7 +8287,7 @@
               <a:t> </a:t>
             </a:r>
             <a:r>
-              <a:rPr lang="ru-RU" sz="2000" dirty="0" err="1">
+              <a:rPr lang="ru-RU" sz="2000" dirty="0" err="1" smtClean="0">
                 <a:solidFill>
                   <a:schemeClr val="bg1">
                     <a:lumMod val="95000"/>
@@ -8250,7 +8297,7 @@
               <a:t>типове</a:t>
             </a:r>
             <a:r>
-              <a:rPr lang="ru-RU" sz="2000" dirty="0">
+              <a:rPr lang="ru-RU" sz="2000" dirty="0" smtClean="0">
                 <a:solidFill>
                   <a:schemeClr val="bg1">
                     <a:lumMod val="95000"/>
@@ -8260,7 +8307,7 @@
               <a:t> </a:t>
             </a:r>
             <a:r>
-              <a:rPr lang="ru-RU" sz="2000" dirty="0" err="1">
+              <a:rPr lang="ru-RU" sz="2000" dirty="0" err="1" smtClean="0">
                 <a:solidFill>
                   <a:schemeClr val="bg1">
                     <a:lumMod val="95000"/>
@@ -8270,7 +8317,7 @@
               <a:t>данни</a:t>
             </a:r>
             <a:r>
-              <a:rPr lang="ru-RU" sz="2000" dirty="0">
+              <a:rPr lang="ru-RU" sz="2000" dirty="0" smtClean="0">
                 <a:solidFill>
                   <a:schemeClr val="bg1">
                     <a:lumMod val="95000"/>
@@ -8280,7 +8327,7 @@
               <a:t> и </a:t>
             </a:r>
             <a:r>
-              <a:rPr lang="ru-RU" sz="2000" dirty="0" err="1">
+              <a:rPr lang="ru-RU" sz="2000" dirty="0" err="1" smtClean="0">
                 <a:solidFill>
                   <a:schemeClr val="bg1">
                     <a:lumMod val="95000"/>
@@ -8290,7 +8337,7 @@
               <a:t>декларирайте</a:t>
             </a:r>
             <a:r>
-              <a:rPr lang="ru-RU" sz="2000" dirty="0">
+              <a:rPr lang="ru-RU" sz="2000" dirty="0" smtClean="0">
                 <a:solidFill>
                   <a:schemeClr val="bg1">
                     <a:lumMod val="95000"/>
@@ -8300,7 +8347,7 @@
               <a:t> </a:t>
             </a:r>
             <a:r>
-              <a:rPr lang="ru-RU" sz="2000" dirty="0" err="1">
+              <a:rPr lang="ru-RU" sz="2000" dirty="0" err="1" smtClean="0">
                 <a:solidFill>
                   <a:schemeClr val="bg1">
                     <a:lumMod val="95000"/>
@@ -8310,7 +8357,7 @@
               <a:t>нужните</a:t>
             </a:r>
             <a:r>
-              <a:rPr lang="ru-RU" sz="2000" dirty="0">
+              <a:rPr lang="ru-RU" sz="2000" dirty="0" smtClean="0">
                 <a:solidFill>
                   <a:schemeClr val="bg1">
                     <a:lumMod val="95000"/>
@@ -8320,7 +8367,7 @@
               <a:t> </a:t>
             </a:r>
             <a:r>
-              <a:rPr lang="ru-RU" sz="2000" dirty="0" err="1">
+              <a:rPr lang="ru-RU" sz="2000" dirty="0" err="1" smtClean="0">
                 <a:solidFill>
                   <a:schemeClr val="bg1">
                     <a:lumMod val="95000"/>
@@ -8330,7 +8377,7 @@
               <a:t>променливи</a:t>
             </a:r>
             <a:r>
-              <a:rPr lang="ru-RU" sz="2000" dirty="0">
+              <a:rPr lang="ru-RU" sz="2000" dirty="0" smtClean="0">
                 <a:solidFill>
                   <a:schemeClr val="bg1">
                     <a:lumMod val="95000"/>
@@ -8340,7 +8387,7 @@
               <a:t>. </a:t>
             </a:r>
             <a:r>
-              <a:rPr lang="ru-RU" sz="2000" dirty="0" err="1">
+              <a:rPr lang="ru-RU" sz="2000" dirty="0" err="1" smtClean="0">
                 <a:solidFill>
                   <a:schemeClr val="bg1">
                     <a:lumMod val="95000"/>
@@ -8350,7 +8397,7 @@
               <a:t>Прочетете</a:t>
             </a:r>
             <a:r>
-              <a:rPr lang="ru-RU" sz="2000" dirty="0">
+              <a:rPr lang="ru-RU" sz="2000" dirty="0" smtClean="0">
                 <a:solidFill>
                   <a:schemeClr val="bg1">
                     <a:lumMod val="95000"/>
@@ -8360,7 +8407,7 @@
               <a:t> от </a:t>
             </a:r>
             <a:r>
-              <a:rPr lang="ru-RU" sz="2000" dirty="0" err="1">
+              <a:rPr lang="ru-RU" sz="2000" dirty="0" err="1" smtClean="0">
                 <a:solidFill>
                   <a:schemeClr val="bg1">
                     <a:lumMod val="95000"/>
@@ -8370,7 +8417,7 @@
               <a:t>конзолата</a:t>
             </a:r>
             <a:r>
-              <a:rPr lang="ru-RU" sz="2000" dirty="0">
+              <a:rPr lang="ru-RU" sz="2000" dirty="0" smtClean="0">
                 <a:solidFill>
                   <a:schemeClr val="bg1">
                     <a:lumMod val="95000"/>
@@ -8380,7 +8427,7 @@
               <a:t> </a:t>
             </a:r>
             <a:r>
-              <a:rPr lang="ru-RU" sz="2000" dirty="0" err="1">
+              <a:rPr lang="ru-RU" sz="2000" dirty="0" err="1" smtClean="0">
                 <a:solidFill>
                   <a:schemeClr val="bg1">
                     <a:lumMod val="95000"/>
@@ -8390,7 +8437,7 @@
               <a:t>нужната</a:t>
             </a:r>
             <a:r>
-              <a:rPr lang="ru-RU" sz="2000" dirty="0">
+              <a:rPr lang="ru-RU" sz="2000" dirty="0" smtClean="0">
                 <a:solidFill>
                   <a:schemeClr val="bg1">
                     <a:lumMod val="95000"/>
@@ -8400,7 +8447,7 @@
               <a:t> </a:t>
             </a:r>
             <a:r>
-              <a:rPr lang="ru-RU" sz="2000" dirty="0" err="1">
+              <a:rPr lang="ru-RU" sz="2000" dirty="0" err="1" smtClean="0">
                 <a:solidFill>
                   <a:schemeClr val="bg1">
                     <a:lumMod val="95000"/>
@@ -8410,7 +8457,7 @@
               <a:t>иформация</a:t>
             </a:r>
             <a:r>
-              <a:rPr lang="ru-RU" sz="2000" dirty="0">
+              <a:rPr lang="ru-RU" sz="2000" dirty="0" smtClean="0">
                 <a:solidFill>
                   <a:schemeClr val="bg1">
                     <a:lumMod val="95000"/>
@@ -8420,7 +8467,7 @@
               <a:t> за </a:t>
             </a:r>
             <a:r>
-              <a:rPr lang="ru-RU" sz="2000" dirty="0" err="1">
+              <a:rPr lang="ru-RU" sz="2000" dirty="0" err="1" smtClean="0">
                 <a:solidFill>
                   <a:schemeClr val="bg1">
                     <a:lumMod val="95000"/>
@@ -8430,7 +8477,7 @@
               <a:t>служител</a:t>
             </a:r>
             <a:r>
-              <a:rPr lang="ru-RU" sz="2000" dirty="0">
+              <a:rPr lang="ru-RU" sz="2000" dirty="0" smtClean="0">
                 <a:solidFill>
                   <a:schemeClr val="bg1">
                     <a:lumMod val="95000"/>
@@ -8457,17 +8504,7 @@
                   </a:schemeClr>
                 </a:solidFill>
               </a:rPr>
-              <a:t> изведете </a:t>
-            </a:r>
-            <a:r>
-              <a:rPr lang="ru-RU" sz="2000" dirty="0">
-                <a:solidFill>
-                  <a:schemeClr val="bg1">
-                    <a:lumMod val="95000"/>
-                  </a:schemeClr>
-                </a:solidFill>
-              </a:rPr>
-              <a:t>на </a:t>
+              <a:t> изведете на </a:t>
             </a:r>
             <a:r>
               <a:rPr lang="ru-RU" sz="2000" dirty="0" err="1" smtClean="0">
@@ -8488,10 +8525,19 @@
             </a:endParaRPr>
           </a:p>
           <a:p>
-            <a:pPr marL="457200" indent="-457200">
-              <a:buFont typeface="+mj-lt"/>
-              <a:buAutoNum type="arabicParenR"/>
+            <a:pPr marL="0" indent="0">
+              <a:buNone/>
             </a:pPr>
+            <a:r>
+              <a:rPr lang="en-US" sz="2000" dirty="0" smtClean="0">
+                <a:solidFill>
+                  <a:schemeClr val="bg1">
+                    <a:lumMod val="95000"/>
+                  </a:schemeClr>
+                </a:solidFill>
+              </a:rPr>
+              <a:t>2.4) </a:t>
+            </a:r>
             <a:r>
               <a:rPr lang="bg-BG" sz="2000" dirty="0" smtClean="0">
                 <a:solidFill>
@@ -8638,11 +8684,40 @@
           </a:bodyPr>
           <a:lstStyle/>
           <a:p>
-            <a:pPr marL="457200" indent="-457200">
-              <a:buFont typeface="+mj-lt"/>
-              <a:buAutoNum type="arabicParenR" startAt="5"/>
+            <a:pPr marL="0" indent="0">
+              <a:buNone/>
             </a:pPr>
             <a:r>
+              <a:rPr lang="en-US" sz="2000" dirty="0" smtClean="0">
+                <a:solidFill>
+                  <a:schemeClr val="bg1">
+                    <a:lumMod val="95000"/>
+                  </a:schemeClr>
+                </a:solidFill>
+              </a:rPr>
+              <a:t>2.5) </a:t>
+            </a:r>
+            <a:r>
+              <a:rPr lang="ru-RU" sz="2000" dirty="0" smtClean="0">
+                <a:solidFill>
+                  <a:schemeClr val="bg1">
+                    <a:lumMod val="95000"/>
+                  </a:schemeClr>
+                </a:solidFill>
+              </a:rPr>
+              <a:t>Напишете </a:t>
+            </a:r>
+            <a:r>
+              <a:rPr lang="ru-RU" sz="2000" dirty="0" err="1">
+                <a:solidFill>
+                  <a:schemeClr val="bg1">
+                    <a:lumMod val="95000"/>
+                  </a:schemeClr>
+                </a:solidFill>
+              </a:rPr>
+              <a:t>програма</a:t>
+            </a:r>
+            <a:r>
               <a:rPr lang="ru-RU" sz="2000" dirty="0">
                 <a:solidFill>
                   <a:schemeClr val="bg1">
@@ -8650,7 +8725,7 @@
                   </a:schemeClr>
                 </a:solidFill>
               </a:rPr>
-              <a:t>Напишете </a:t>
+              <a:t>, </a:t>
             </a:r>
             <a:r>
               <a:rPr lang="ru-RU" sz="2000" dirty="0" err="1">
@@ -8660,7 +8735,7 @@
                   </a:schemeClr>
                 </a:solidFill>
               </a:rPr>
-              <a:t>програма</a:t>
+              <a:t>която</a:t>
             </a:r>
             <a:r>
               <a:rPr lang="ru-RU" sz="2000" dirty="0">
@@ -8670,7 +8745,7 @@
                   </a:schemeClr>
                 </a:solidFill>
               </a:rPr>
-              <a:t>, </a:t>
+              <a:t> чете от </a:t>
             </a:r>
             <a:r>
               <a:rPr lang="ru-RU" sz="2000" dirty="0" err="1">
@@ -8680,7 +8755,7 @@
                   </a:schemeClr>
                 </a:solidFill>
               </a:rPr>
-              <a:t>която</a:t>
+              <a:t>конзолата</a:t>
             </a:r>
             <a:r>
               <a:rPr lang="ru-RU" sz="2000" dirty="0">
@@ -8690,7 +8765,7 @@
                   </a:schemeClr>
                 </a:solidFill>
               </a:rPr>
-              <a:t> чете от </a:t>
+              <a:t> </a:t>
             </a:r>
             <a:r>
               <a:rPr lang="ru-RU" sz="2000" dirty="0" err="1">
@@ -8700,7 +8775,7 @@
                   </a:schemeClr>
                 </a:solidFill>
               </a:rPr>
-              <a:t>конзолата</a:t>
+              <a:t>четири</a:t>
             </a:r>
             <a:r>
               <a:rPr lang="ru-RU" sz="2000" dirty="0">
@@ -8710,6 +8785,46 @@
                   </a:schemeClr>
                 </a:solidFill>
               </a:rPr>
+              <a:t> числа от тип </a:t>
+            </a:r>
+            <a:r>
+              <a:rPr lang="ru-RU" sz="2000" dirty="0" err="1">
+                <a:solidFill>
+                  <a:schemeClr val="bg1">
+                    <a:lumMod val="95000"/>
+                  </a:schemeClr>
+                </a:solidFill>
+              </a:rPr>
+              <a:t>int</a:t>
+            </a:r>
+            <a:r>
+              <a:rPr lang="ru-RU" sz="2000" dirty="0">
+                <a:solidFill>
+                  <a:schemeClr val="bg1">
+                    <a:lumMod val="95000"/>
+                  </a:schemeClr>
+                </a:solidFill>
+              </a:rPr>
+              <a:t> и </a:t>
+            </a:r>
+            <a:r>
+              <a:rPr lang="ru-RU" sz="2000" dirty="0" err="1">
+                <a:solidFill>
+                  <a:schemeClr val="bg1">
+                    <a:lumMod val="95000"/>
+                  </a:schemeClr>
+                </a:solidFill>
+              </a:rPr>
+              <a:t>отпечатва</a:t>
+            </a:r>
+            <a:r>
+              <a:rPr lang="ru-RU" sz="2000" dirty="0">
+                <a:solidFill>
+                  <a:schemeClr val="bg1">
+                    <a:lumMod val="95000"/>
+                  </a:schemeClr>
+                </a:solidFill>
+              </a:rPr>
               <a:t> </a:t>
             </a:r>
             <a:r>
@@ -8720,7 +8835,7 @@
                   </a:schemeClr>
                 </a:solidFill>
               </a:rPr>
-              <a:t>четири</a:t>
+              <a:t>тяхната</a:t>
             </a:r>
             <a:r>
               <a:rPr lang="ru-RU" sz="2000" dirty="0">
@@ -8730,76 +8845,25 @@
                   </a:schemeClr>
                 </a:solidFill>
               </a:rPr>
-              <a:t> числа от тип </a:t>
-            </a:r>
-            <a:r>
-              <a:rPr lang="ru-RU" sz="2000" dirty="0" err="1">
-                <a:solidFill>
-                  <a:schemeClr val="bg1">
-                    <a:lumMod val="95000"/>
-                  </a:schemeClr>
-                </a:solidFill>
-              </a:rPr>
-              <a:t>int</a:t>
-            </a:r>
-            <a:r>
-              <a:rPr lang="ru-RU" sz="2000" dirty="0">
-                <a:solidFill>
-                  <a:schemeClr val="bg1">
-                    <a:lumMod val="95000"/>
-                  </a:schemeClr>
-                </a:solidFill>
-              </a:rPr>
-              <a:t> и </a:t>
-            </a:r>
-            <a:r>
-              <a:rPr lang="ru-RU" sz="2000" dirty="0" err="1">
-                <a:solidFill>
-                  <a:schemeClr val="bg1">
-                    <a:lumMod val="95000"/>
-                  </a:schemeClr>
-                </a:solidFill>
-              </a:rPr>
-              <a:t>отпечатва</a:t>
-            </a:r>
-            <a:r>
-              <a:rPr lang="ru-RU" sz="2000" dirty="0">
-                <a:solidFill>
-                  <a:schemeClr val="bg1">
-                    <a:lumMod val="95000"/>
-                  </a:schemeClr>
-                </a:solidFill>
-              </a:rPr>
-              <a:t> </a:t>
-            </a:r>
-            <a:r>
-              <a:rPr lang="ru-RU" sz="2000" dirty="0" err="1">
-                <a:solidFill>
-                  <a:schemeClr val="bg1">
-                    <a:lumMod val="95000"/>
-                  </a:schemeClr>
-                </a:solidFill>
-              </a:rPr>
-              <a:t>тяхната</a:t>
-            </a:r>
-            <a:r>
-              <a:rPr lang="ru-RU" sz="2000" dirty="0">
-                <a:solidFill>
-                  <a:schemeClr val="bg1">
-                    <a:lumMod val="95000"/>
-                  </a:schemeClr>
-                </a:solidFill>
-              </a:rPr>
               <a:t> сума.</a:t>
             </a:r>
           </a:p>
           <a:p>
-            <a:pPr marL="457200" indent="-457200">
-              <a:buFont typeface="+mj-lt"/>
-              <a:buAutoNum type="arabicParenR" startAt="5"/>
+            <a:pPr marL="0" indent="0">
+              <a:buNone/>
             </a:pPr>
             <a:r>
-              <a:rPr lang="ru-RU" sz="2000" dirty="0">
+              <a:rPr lang="en-US" sz="2000" dirty="0" smtClean="0">
+                <a:solidFill>
+                  <a:schemeClr val="bg1">
+                    <a:lumMod val="95000"/>
+                  </a:schemeClr>
+                </a:solidFill>
+              </a:rPr>
+              <a:t>2.6) </a:t>
+            </a:r>
+            <a:r>
+              <a:rPr lang="ru-RU" sz="2000" dirty="0" smtClean="0">
                 <a:solidFill>
                   <a:schemeClr val="bg1">
                     <a:lumMod val="95000"/>
@@ -9017,11 +9081,30 @@
             </a:endParaRPr>
           </a:p>
           <a:p>
-            <a:pPr marL="457200" indent="-457200">
-              <a:buFont typeface="+mj-lt"/>
-              <a:buAutoNum type="arabicParenR" startAt="5"/>
+            <a:pPr marL="0" indent="0">
+              <a:buNone/>
             </a:pPr>
             <a:r>
+              <a:rPr lang="en-US" sz="2000" dirty="0" smtClean="0">
+                <a:solidFill>
+                  <a:schemeClr val="bg1">
+                    <a:lumMod val="95000"/>
+                  </a:schemeClr>
+                </a:solidFill>
+              </a:rPr>
+              <a:t>2.7) </a:t>
+            </a:r>
+            <a:r>
+              <a:rPr lang="ru-RU" sz="2000" dirty="0" smtClean="0">
+                <a:solidFill>
+                  <a:schemeClr val="bg1">
+                    <a:lumMod val="95000"/>
+                  </a:schemeClr>
+                </a:solidFill>
+              </a:rPr>
+              <a:t>Напишете </a:t>
+            </a:r>
+            <a:r>
               <a:rPr lang="ru-RU" sz="2000" dirty="0">
                 <a:solidFill>
                   <a:schemeClr val="bg1">
@@ -9029,7 +9112,7 @@
                   </a:schemeClr>
                 </a:solidFill>
               </a:rPr>
-              <a:t>Напишете булев </a:t>
+              <a:t>булев </a:t>
             </a:r>
             <a:r>
               <a:rPr lang="ru-RU" sz="2000" dirty="0" err="1">
@@ -9153,12 +9236,21 @@
             </a:r>
           </a:p>
           <a:p>
-            <a:pPr marL="457200" indent="-457200">
-              <a:buFont typeface="+mj-lt"/>
-              <a:buAutoNum type="arabicParenR" startAt="5"/>
+            <a:pPr marL="0" indent="0">
+              <a:buNone/>
             </a:pPr>
             <a:r>
-              <a:rPr lang="ru-RU" sz="2000" dirty="0">
+              <a:rPr lang="en-US" sz="2000" dirty="0" smtClean="0">
+                <a:solidFill>
+                  <a:schemeClr val="bg1">
+                    <a:lumMod val="95000"/>
+                  </a:schemeClr>
+                </a:solidFill>
+              </a:rPr>
+              <a:t>2.8) </a:t>
+            </a:r>
+            <a:r>
+              <a:rPr lang="ru-RU" sz="2000" dirty="0" smtClean="0">
                 <a:solidFill>
                   <a:schemeClr val="bg1">
                     <a:lumMod val="95000"/>
@@ -9276,11 +9368,40 @@
             </a:endParaRPr>
           </a:p>
           <a:p>
-            <a:pPr marL="457200" indent="-457200">
-              <a:buFont typeface="+mj-lt"/>
-              <a:buAutoNum type="arabicParenR" startAt="5"/>
+            <a:pPr marL="0" indent="0">
+              <a:buNone/>
             </a:pPr>
             <a:r>
+              <a:rPr lang="en-US" sz="2000" dirty="0" smtClean="0">
+                <a:solidFill>
+                  <a:schemeClr val="bg1">
+                    <a:lumMod val="95000"/>
+                  </a:schemeClr>
+                </a:solidFill>
+              </a:rPr>
+              <a:t>2.9) </a:t>
+            </a:r>
+            <a:r>
+              <a:rPr lang="ru-RU" sz="2000" dirty="0" smtClean="0">
+                <a:solidFill>
+                  <a:schemeClr val="bg1">
+                    <a:lumMod val="95000"/>
+                  </a:schemeClr>
+                </a:solidFill>
+              </a:rPr>
+              <a:t>Напишете </a:t>
+            </a:r>
+            <a:r>
+              <a:rPr lang="ru-RU" sz="2000" dirty="0" err="1">
+                <a:solidFill>
+                  <a:schemeClr val="bg1">
+                    <a:lumMod val="95000"/>
+                  </a:schemeClr>
+                </a:solidFill>
+              </a:rPr>
+              <a:t>проргама</a:t>
+            </a:r>
+            <a:r>
               <a:rPr lang="ru-RU" sz="2000" dirty="0">
                 <a:solidFill>
                   <a:schemeClr val="bg1">
@@ -9288,7 +9409,7 @@
                   </a:schemeClr>
                 </a:solidFill>
               </a:rPr>
-              <a:t>Напишете </a:t>
+              <a:t> </a:t>
             </a:r>
             <a:r>
               <a:rPr lang="ru-RU" sz="2000" dirty="0" err="1">
@@ -9298,7 +9419,7 @@
                   </a:schemeClr>
                 </a:solidFill>
               </a:rPr>
-              <a:t>проргама</a:t>
+              <a:t>която</a:t>
             </a:r>
             <a:r>
               <a:rPr lang="ru-RU" sz="2000" dirty="0">
@@ -9308,6 +9429,46 @@
                   </a:schemeClr>
                 </a:solidFill>
               </a:rPr>
+              <a:t> приема 2 </a:t>
+            </a:r>
+            <a:r>
+              <a:rPr lang="ru-RU" sz="2000" dirty="0" err="1">
+                <a:solidFill>
+                  <a:schemeClr val="bg1">
+                    <a:lumMod val="95000"/>
+                  </a:schemeClr>
+                </a:solidFill>
+              </a:rPr>
+              <a:t>целочислени</a:t>
+            </a:r>
+            <a:r>
+              <a:rPr lang="ru-RU" sz="2000" dirty="0">
+                <a:solidFill>
+                  <a:schemeClr val="bg1">
+                    <a:lumMod val="95000"/>
+                  </a:schemeClr>
+                </a:solidFill>
+              </a:rPr>
+              <a:t> числа за вход и </a:t>
+            </a:r>
+            <a:r>
+              <a:rPr lang="ru-RU" sz="2000" dirty="0" err="1">
+                <a:solidFill>
+                  <a:schemeClr val="bg1">
+                    <a:lumMod val="95000"/>
+                  </a:schemeClr>
+                </a:solidFill>
+              </a:rPr>
+              <a:t>извежда</a:t>
+            </a:r>
+            <a:r>
+              <a:rPr lang="ru-RU" sz="2000" dirty="0">
+                <a:solidFill>
+                  <a:schemeClr val="bg1">
+                    <a:lumMod val="95000"/>
+                  </a:schemeClr>
+                </a:solidFill>
+              </a:rPr>
               <a:t> </a:t>
             </a:r>
             <a:r>
@@ -9318,7 +9479,7 @@
                   </a:schemeClr>
                 </a:solidFill>
               </a:rPr>
-              <a:t>която</a:t>
+              <a:t>остатъка</a:t>
             </a:r>
             <a:r>
               <a:rPr lang="ru-RU" sz="2000" dirty="0">
@@ -9328,7 +9489,7 @@
                   </a:schemeClr>
                 </a:solidFill>
               </a:rPr>
-              <a:t> приема 2 </a:t>
+              <a:t> от </a:t>
             </a:r>
             <a:r>
               <a:rPr lang="ru-RU" sz="2000" dirty="0" err="1">
@@ -9338,7 +9499,7 @@
                   </a:schemeClr>
                 </a:solidFill>
               </a:rPr>
-              <a:t>целочислени</a:t>
+              <a:t>делението</a:t>
             </a:r>
             <a:r>
               <a:rPr lang="ru-RU" sz="2000" dirty="0">
@@ -9348,7 +9509,7 @@
                   </a:schemeClr>
                 </a:solidFill>
               </a:rPr>
-              <a:t> числа за вход и </a:t>
+              <a:t> на </a:t>
             </a:r>
             <a:r>
               <a:rPr lang="ru-RU" sz="2000" dirty="0" err="1">
@@ -9358,7 +9519,7 @@
                   </a:schemeClr>
                 </a:solidFill>
               </a:rPr>
-              <a:t>извежда</a:t>
+              <a:t>числата</a:t>
             </a:r>
             <a:r>
               <a:rPr lang="ru-RU" sz="2000" dirty="0">
@@ -9368,74 +9529,23 @@
                   </a:schemeClr>
                 </a:solidFill>
               </a:rPr>
-              <a:t> </a:t>
-            </a:r>
-            <a:r>
-              <a:rPr lang="ru-RU" sz="2000" dirty="0" err="1">
-                <a:solidFill>
-                  <a:schemeClr val="bg1">
-                    <a:lumMod val="95000"/>
-                  </a:schemeClr>
-                </a:solidFill>
-              </a:rPr>
-              <a:t>остатъка</a:t>
-            </a:r>
-            <a:r>
-              <a:rPr lang="ru-RU" sz="2000" dirty="0">
-                <a:solidFill>
-                  <a:schemeClr val="bg1">
-                    <a:lumMod val="95000"/>
-                  </a:schemeClr>
-                </a:solidFill>
-              </a:rPr>
-              <a:t> от </a:t>
-            </a:r>
-            <a:r>
-              <a:rPr lang="ru-RU" sz="2000" dirty="0" err="1">
-                <a:solidFill>
-                  <a:schemeClr val="bg1">
-                    <a:lumMod val="95000"/>
-                  </a:schemeClr>
-                </a:solidFill>
-              </a:rPr>
-              <a:t>делението</a:t>
-            </a:r>
-            <a:r>
-              <a:rPr lang="ru-RU" sz="2000" dirty="0">
-                <a:solidFill>
-                  <a:schemeClr val="bg1">
-                    <a:lumMod val="95000"/>
-                  </a:schemeClr>
-                </a:solidFill>
-              </a:rPr>
-              <a:t> на </a:t>
-            </a:r>
-            <a:r>
-              <a:rPr lang="ru-RU" sz="2000" dirty="0" err="1">
-                <a:solidFill>
-                  <a:schemeClr val="bg1">
-                    <a:lumMod val="95000"/>
-                  </a:schemeClr>
-                </a:solidFill>
-              </a:rPr>
-              <a:t>числата</a:t>
-            </a:r>
-            <a:r>
-              <a:rPr lang="ru-RU" sz="2000" dirty="0">
-                <a:solidFill>
-                  <a:schemeClr val="bg1">
-                    <a:lumMod val="95000"/>
-                  </a:schemeClr>
-                </a:solidFill>
-              </a:rPr>
               <a:t>.</a:t>
             </a:r>
           </a:p>
           <a:p>
-            <a:pPr marL="457200" indent="-457200">
-              <a:buFont typeface="+mj-lt"/>
-              <a:buAutoNum type="arabicParenR" startAt="5"/>
+            <a:pPr marL="0" indent="0">
+              <a:buNone/>
             </a:pPr>
+            <a:r>
+              <a:rPr lang="en-US" sz="2000" dirty="0" smtClean="0">
+                <a:solidFill>
+                  <a:schemeClr val="bg1">
+                    <a:lumMod val="95000"/>
+                  </a:schemeClr>
+                </a:solidFill>
+              </a:rPr>
+              <a:t>2.10) </a:t>
+            </a:r>
             <a:r>
               <a:rPr lang="ru-RU" sz="2000" dirty="0" err="1" smtClean="0">
                 <a:solidFill>
